--- a/発表用/発表スライド.pptx
+++ b/発表用/発表スライド.pptx
@@ -5,10 +5,11 @@
     <p:sldMasterId id="2147483648" r:id="rId1"/>
   </p:sldMasterIdLst>
   <p:notesMasterIdLst>
-    <p:notesMasterId r:id="rId3"/>
+    <p:notesMasterId r:id="rId4"/>
   </p:notesMasterIdLst>
   <p:sldIdLst>
     <p:sldId id="256" r:id="rId2"/>
+    <p:sldId id="257" r:id="rId3"/>
   </p:sldIdLst>
   <p:sldSz cx="12192000" cy="6858000"/>
   <p:notesSz cx="6858000" cy="9144000"/>
@@ -121,13 +122,45 @@
 <file path=ppt/revisionInfo.xml><?xml version="1.0" encoding="utf-8"?>
 <p1510:revInfo xmlns:a="http://schemas.openxmlformats.org/drawingml/2006/main" xmlns:r="http://schemas.openxmlformats.org/officeDocument/2006/relationships" xmlns:p1510="http://schemas.microsoft.com/office/powerpoint/2015/10/main">
   <p1510:revLst>
-    <p1510:client id="{59052BDC-A070-4487-B09F-7071C6D7ACA3}" v="45" dt="2025-07-09T23:39:54.516"/>
+    <p1510:client id="{5A5068F6-23ED-46DB-8549-53A84B431DC8}" v="68" dt="2025-08-06T05:11:40.619"/>
   </p1510:revLst>
 </p1510:revInfo>
 </file>
 
 <file path=ppt/changesInfos/changesInfo1.xml><?xml version="1.0" encoding="utf-8"?>
 <pc:chgInfo xmlns:a="http://schemas.openxmlformats.org/drawingml/2006/main" xmlns:r="http://schemas.openxmlformats.org/officeDocument/2006/relationships" xmlns:ac="http://schemas.microsoft.com/office/drawing/2013/main/command" xmlns:pc="http://schemas.microsoft.com/office/powerpoint/2013/main/command">
+  <pc:docChgLst>
+    <pc:chgData name="山田　直人" userId="319e7cf2-54a2-4fe0-9084-84c639412116" providerId="ADAL" clId="{5A5068F6-23ED-46DB-8549-53A84B431DC8}"/>
+    <pc:docChg chg="undo custSel addSld modSld">
+      <pc:chgData name="山田　直人" userId="319e7cf2-54a2-4fe0-9084-84c639412116" providerId="ADAL" clId="{5A5068F6-23ED-46DB-8549-53A84B431DC8}" dt="2025-08-06T05:11:40.619" v="377" actId="20577"/>
+      <pc:docMkLst>
+        <pc:docMk/>
+      </pc:docMkLst>
+      <pc:sldChg chg="addSp modSp new mod">
+        <pc:chgData name="山田　直人" userId="319e7cf2-54a2-4fe0-9084-84c639412116" providerId="ADAL" clId="{5A5068F6-23ED-46DB-8549-53A84B431DC8}" dt="2025-08-06T05:11:40.619" v="377" actId="20577"/>
+        <pc:sldMkLst>
+          <pc:docMk/>
+          <pc:sldMk cId="2030250481" sldId="257"/>
+        </pc:sldMkLst>
+        <pc:spChg chg="mod">
+          <ac:chgData name="山田　直人" userId="319e7cf2-54a2-4fe0-9084-84c639412116" providerId="ADAL" clId="{5A5068F6-23ED-46DB-8549-53A84B431DC8}" dt="2025-08-06T05:11:40.619" v="377" actId="20577"/>
+          <ac:spMkLst>
+            <pc:docMk/>
+            <pc:sldMk cId="2030250481" sldId="257"/>
+            <ac:spMk id="3" creationId="{14DC5319-8618-7455-7B02-A7334D66E63F}"/>
+          </ac:spMkLst>
+        </pc:spChg>
+        <pc:spChg chg="add mod">
+          <ac:chgData name="山田　直人" userId="319e7cf2-54a2-4fe0-9084-84c639412116" providerId="ADAL" clId="{5A5068F6-23ED-46DB-8549-53A84B431DC8}" dt="2025-08-06T05:07:52.486" v="164" actId="207"/>
+          <ac:spMkLst>
+            <pc:docMk/>
+            <pc:sldMk cId="2030250481" sldId="257"/>
+            <ac:spMk id="7" creationId="{EB3564C8-B5C3-6BBD-FD5F-FF5D9AB13AD4}"/>
+          </ac:spMkLst>
+        </pc:spChg>
+      </pc:sldChg>
+    </pc:docChg>
+  </pc:docChgLst>
   <pc:docChgLst>
     <pc:chgData name="松本　眞祐" userId="98785e45-ba2d-4708-848b-f6857309e49d" providerId="ADAL" clId="{FF13B597-4CD8-4775-ADDB-37501675C428}"/>
     <pc:docChg chg="addSld">
@@ -157,54 +190,6 @@
           <pc:docMk/>
           <pc:sldMk cId="2640924054" sldId="256"/>
         </pc:sldMkLst>
-        <pc:spChg chg="add del">
-          <ac:chgData name="松本　眞祐" userId="98785e45-ba2d-4708-848b-f6857309e49d" providerId="ADAL" clId="{59052BDC-A070-4487-B09F-7071C6D7ACA3}" dt="2025-07-09T23:39:48.426" v="174" actId="11529"/>
-          <ac:spMkLst>
-            <pc:docMk/>
-            <pc:sldMk cId="2640924054" sldId="256"/>
-            <ac:spMk id="15" creationId="{103285D2-E1C8-BC4B-EC84-87355D21F8B2}"/>
-          </ac:spMkLst>
-        </pc:spChg>
-        <pc:cxnChg chg="add del">
-          <ac:chgData name="松本　眞祐" userId="98785e45-ba2d-4708-848b-f6857309e49d" providerId="ADAL" clId="{59052BDC-A070-4487-B09F-7071C6D7ACA3}" dt="2025-07-09T23:39:53.737" v="183" actId="11529"/>
-          <ac:cxnSpMkLst>
-            <pc:docMk/>
-            <pc:sldMk cId="2640924054" sldId="256"/>
-            <ac:cxnSpMk id="8" creationId="{6DA272DC-819D-BF83-5F4C-1DFAFF6B63BE}"/>
-          </ac:cxnSpMkLst>
-        </pc:cxnChg>
-        <pc:cxnChg chg="add del mod">
-          <ac:chgData name="松本　眞祐" userId="98785e45-ba2d-4708-848b-f6857309e49d" providerId="ADAL" clId="{59052BDC-A070-4487-B09F-7071C6D7ACA3}" dt="2025-07-09T23:39:52.948" v="181" actId="11529"/>
-          <ac:cxnSpMkLst>
-            <pc:docMk/>
-            <pc:sldMk cId="2640924054" sldId="256"/>
-            <ac:cxnSpMk id="10" creationId="{720D47FB-69E0-336D-713D-C3392A28F20F}"/>
-          </ac:cxnSpMkLst>
-        </pc:cxnChg>
-        <pc:cxnChg chg="add del">
-          <ac:chgData name="松本　眞祐" userId="98785e45-ba2d-4708-848b-f6857309e49d" providerId="ADAL" clId="{59052BDC-A070-4487-B09F-7071C6D7ACA3}" dt="2025-07-09T23:39:51.206" v="178" actId="11529"/>
-          <ac:cxnSpMkLst>
-            <pc:docMk/>
-            <pc:sldMk cId="2640924054" sldId="256"/>
-            <ac:cxnSpMk id="12" creationId="{3331CC8F-E023-E7BE-84C8-6D868860D911}"/>
-          </ac:cxnSpMkLst>
-        </pc:cxnChg>
-        <pc:cxnChg chg="add del">
-          <ac:chgData name="松本　眞祐" userId="98785e45-ba2d-4708-848b-f6857309e49d" providerId="ADAL" clId="{59052BDC-A070-4487-B09F-7071C6D7ACA3}" dt="2025-07-09T23:39:49.575" v="176" actId="11529"/>
-          <ac:cxnSpMkLst>
-            <pc:docMk/>
-            <pc:sldMk cId="2640924054" sldId="256"/>
-            <ac:cxnSpMk id="14" creationId="{4CCDCAB4-95F0-0645-E4FA-74FFFEBA8222}"/>
-          </ac:cxnSpMkLst>
-        </pc:cxnChg>
-        <pc:cxnChg chg="add del mod">
-          <ac:chgData name="松本　眞祐" userId="98785e45-ba2d-4708-848b-f6857309e49d" providerId="ADAL" clId="{59052BDC-A070-4487-B09F-7071C6D7ACA3}" dt="2025-07-09T23:40:32.628" v="189" actId="478"/>
-          <ac:cxnSpMkLst>
-            <pc:docMk/>
-            <pc:sldMk cId="2640924054" sldId="256"/>
-            <ac:cxnSpMk id="17" creationId="{E700E276-9B25-2B0F-B1BB-452987BDF3B2}"/>
-          </ac:cxnSpMkLst>
-        </pc:cxnChg>
       </pc:sldChg>
       <pc:sldChg chg="del">
         <pc:chgData name="松本　眞祐" userId="98785e45-ba2d-4708-848b-f6857309e49d" providerId="ADAL" clId="{59052BDC-A070-4487-B09F-7071C6D7ACA3}" dt="2025-06-22T23:28:56.106" v="136" actId="47"/>
@@ -219,14 +204,6 @@
           <pc:docMk/>
           <pc:sldMasterMk cId="832608200" sldId="2147483648"/>
         </pc:sldMasterMkLst>
-        <pc:spChg chg="mod">
-          <ac:chgData name="松本　眞祐" userId="98785e45-ba2d-4708-848b-f6857309e49d" providerId="ADAL" clId="{59052BDC-A070-4487-B09F-7071C6D7ACA3}" dt="2025-06-23T09:10:09.751" v="149" actId="242"/>
-          <ac:spMkLst>
-            <pc:docMk/>
-            <pc:sldMasterMk cId="832608200" sldId="2147483648"/>
-            <ac:spMk id="3" creationId="{D2CED0AF-DE47-784B-3F06-BB13816B18C2}"/>
-          </ac:spMkLst>
-        </pc:spChg>
         <pc:spChg chg="mod">
           <ac:chgData name="松本　眞祐" userId="98785e45-ba2d-4708-848b-f6857309e49d" providerId="ADAL" clId="{59052BDC-A070-4487-B09F-7071C6D7ACA3}" dt="2025-07-09T05:13:56.643" v="154" actId="14100"/>
           <ac:spMkLst>
@@ -251,14 +228,6 @@
             <ac:spMk id="6" creationId="{92BEDE2A-00B7-1B90-5C6D-8D6133E17908}"/>
           </ac:spMkLst>
         </pc:spChg>
-        <pc:cxnChg chg="add del mod">
-          <ac:chgData name="松本　眞祐" userId="98785e45-ba2d-4708-848b-f6857309e49d" providerId="ADAL" clId="{59052BDC-A070-4487-B09F-7071C6D7ACA3}" dt="2025-07-09T23:39:55.433" v="186" actId="11529"/>
-          <ac:cxnSpMkLst>
-            <pc:docMk/>
-            <pc:sldMasterMk cId="832608200" sldId="2147483648"/>
-            <ac:cxnSpMk id="9" creationId="{54E95731-5788-8363-6790-BADBF7D8C03B}"/>
-          </ac:cxnSpMkLst>
-        </pc:cxnChg>
         <pc:sldLayoutChg chg="modSp mod">
           <pc:chgData name="松本　眞祐" userId="98785e45-ba2d-4708-848b-f6857309e49d" providerId="ADAL" clId="{59052BDC-A070-4487-B09F-7071C6D7ACA3}" dt="2025-06-23T09:10:15.607" v="150" actId="242"/>
           <pc:sldLayoutMkLst>
@@ -266,15 +235,6 @@
             <pc:sldMasterMk cId="832608200" sldId="2147483648"/>
             <pc:sldLayoutMk cId="2674845699" sldId="2147483649"/>
           </pc:sldLayoutMkLst>
-          <pc:spChg chg="mod">
-            <ac:chgData name="松本　眞祐" userId="98785e45-ba2d-4708-848b-f6857309e49d" providerId="ADAL" clId="{59052BDC-A070-4487-B09F-7071C6D7ACA3}" dt="2025-06-23T09:10:15.607" v="150" actId="242"/>
-            <ac:spMkLst>
-              <pc:docMk/>
-              <pc:sldMasterMk cId="832608200" sldId="2147483648"/>
-              <pc:sldLayoutMk cId="2674845699" sldId="2147483649"/>
-              <ac:spMk id="3" creationId="{289B55D4-7B58-061F-20A5-CA7ABA9F382A}"/>
-            </ac:spMkLst>
-          </pc:spChg>
         </pc:sldLayoutChg>
         <pc:sldLayoutChg chg="modSp mod">
           <pc:chgData name="松本　眞祐" userId="98785e45-ba2d-4708-848b-f6857309e49d" providerId="ADAL" clId="{59052BDC-A070-4487-B09F-7071C6D7ACA3}" dt="2025-06-23T09:10:23.416" v="151" actId="242"/>
@@ -283,15 +243,6 @@
             <pc:sldMasterMk cId="832608200" sldId="2147483648"/>
             <pc:sldLayoutMk cId="605039317" sldId="2147483651"/>
           </pc:sldLayoutMkLst>
-          <pc:spChg chg="mod">
-            <ac:chgData name="松本　眞祐" userId="98785e45-ba2d-4708-848b-f6857309e49d" providerId="ADAL" clId="{59052BDC-A070-4487-B09F-7071C6D7ACA3}" dt="2025-06-23T09:10:23.416" v="151" actId="242"/>
-            <ac:spMkLst>
-              <pc:docMk/>
-              <pc:sldMasterMk cId="832608200" sldId="2147483648"/>
-              <pc:sldLayoutMk cId="605039317" sldId="2147483651"/>
-              <ac:spMk id="3" creationId="{AF2E0052-7CDE-1ECD-0611-D878B6E80315}"/>
-            </ac:spMkLst>
-          </pc:spChg>
         </pc:sldLayoutChg>
         <pc:sldLayoutChg chg="modSp mod">
           <pc:chgData name="松本　眞祐" userId="98785e45-ba2d-4708-848b-f6857309e49d" providerId="ADAL" clId="{59052BDC-A070-4487-B09F-7071C6D7ACA3}" dt="2025-06-23T09:10:36.674" v="152" actId="14100"/>
@@ -300,15 +251,6 @@
             <pc:sldMasterMk cId="832608200" sldId="2147483648"/>
             <pc:sldLayoutMk cId="3347440177" sldId="2147483659"/>
           </pc:sldLayoutMkLst>
-          <pc:spChg chg="mod">
-            <ac:chgData name="松本　眞祐" userId="98785e45-ba2d-4708-848b-f6857309e49d" providerId="ADAL" clId="{59052BDC-A070-4487-B09F-7071C6D7ACA3}" dt="2025-06-23T09:10:36.674" v="152" actId="14100"/>
-            <ac:spMkLst>
-              <pc:docMk/>
-              <pc:sldMasterMk cId="832608200" sldId="2147483648"/>
-              <pc:sldLayoutMk cId="3347440177" sldId="2147483659"/>
-              <ac:spMk id="3" creationId="{2D695A21-6E83-0086-ACFC-B81862BBA877}"/>
-            </ac:spMkLst>
-          </pc:spChg>
         </pc:sldLayoutChg>
       </pc:sldMasterChg>
     </pc:docChg>
@@ -398,7 +340,7 @@
           <a:p>
             <a:fld id="{54171348-9B5D-413F-B7FA-48589C6158B3}" type="datetimeFigureOut">
               <a:rPr kumimoji="1" lang="ja-JP" altLang="en-US" smtClean="0"/>
-              <a:t>2025/7/10</a:t>
+              <a:t>2025/8/5</a:t>
             </a:fld>
             <a:endParaRPr kumimoji="1" lang="ja-JP" altLang="en-US"/>
           </a:p>
@@ -745,7 +687,7 @@
           </a:lstStyle>
           <a:p>
             <a:r>
-              <a:rPr kumimoji="1" lang="ja-JP" altLang="en-US" dirty="0"/>
+              <a:rPr kumimoji="1" lang="ja-JP" altLang="en-US"/>
               <a:t>マスター タイトルの書式設定</a:t>
             </a:r>
           </a:p>
@@ -814,7 +756,7 @@
             </a:lvl9pPr>
           </a:lstStyle>
           <a:p>
-            <a:endParaRPr kumimoji="1" lang="ja-JP" altLang="en-US" dirty="0"/>
+            <a:endParaRPr kumimoji="1" lang="ja-JP" altLang="en-US"/>
           </a:p>
         </p:txBody>
       </p:sp>
@@ -880,9 +822,9 @@
           <a:p>
             <a:fld id="{555F440E-AFA7-4092-812C-CE229E5CA6A3}" type="datetime1">
               <a:rPr lang="ja-JP" altLang="en-US" smtClean="0"/>
-              <a:t>2025/7/10</a:t>
+              <a:t>2025/8/5</a:t>
             </a:fld>
-            <a:endParaRPr lang="ja-JP" altLang="en-US" dirty="0"/>
+            <a:endParaRPr lang="ja-JP" altLang="en-US"/>
           </a:p>
         </p:txBody>
       </p:sp>
@@ -907,7 +849,7 @@
           <a:bodyPr/>
           <a:lstStyle/>
           <a:p>
-            <a:endParaRPr kumimoji="1" lang="ja-JP" altLang="en-US" dirty="0"/>
+            <a:endParaRPr kumimoji="1" lang="ja-JP" altLang="en-US"/>
           </a:p>
         </p:txBody>
       </p:sp>
@@ -937,7 +879,7 @@
               <a:pPr/>
               <a:t>‹#›</a:t>
             </a:fld>
-            <a:endParaRPr lang="ja-JP" altLang="en-US" dirty="0"/>
+            <a:endParaRPr lang="ja-JP" altLang="en-US"/>
           </a:p>
         </p:txBody>
       </p:sp>
@@ -1169,7 +1111,7 @@
           <a:p>
             <a:fld id="{7B41A74E-57D3-4A80-AAF5-75AD29FC07AD}" type="datetime1">
               <a:rPr kumimoji="1" lang="ja-JP" altLang="en-US" smtClean="0"/>
-              <a:t>2025/7/10</a:t>
+              <a:t>2025/8/5</a:t>
             </a:fld>
             <a:endParaRPr kumimoji="1" lang="ja-JP" altLang="en-US"/>
           </a:p>
@@ -1438,7 +1380,7 @@
           <a:p>
             <a:fld id="{8D8F685B-8FE7-4044-AD9D-3C9350DFB469}" type="datetime1">
               <a:rPr kumimoji="1" lang="ja-JP" altLang="en-US" smtClean="0"/>
-              <a:t>2025/7/10</a:t>
+              <a:t>2025/8/5</a:t>
             </a:fld>
             <a:endParaRPr kumimoji="1" lang="ja-JP" altLang="en-US"/>
           </a:p>
@@ -1717,7 +1659,7 @@
           <a:p>
             <a:fld id="{C7C456D9-3827-4520-83E8-70ABCBAB864D}" type="datetime1">
               <a:rPr kumimoji="1" lang="ja-JP" altLang="en-US" smtClean="0"/>
-              <a:t>2025/7/10</a:t>
+              <a:t>2025/8/5</a:t>
             </a:fld>
             <a:endParaRPr kumimoji="1" lang="ja-JP" altLang="en-US"/>
           </a:p>
@@ -1986,7 +1928,7 @@
           <a:p>
             <a:fld id="{F86C577F-7272-4803-AFEB-39D9358AB397}" type="datetime1">
               <a:rPr kumimoji="1" lang="ja-JP" altLang="en-US" smtClean="0"/>
-              <a:t>2025/7/10</a:t>
+              <a:t>2025/8/5</a:t>
             </a:fld>
             <a:endParaRPr kumimoji="1" lang="ja-JP" altLang="en-US"/>
           </a:p>
@@ -2271,7 +2213,7 @@
           <a:p>
             <a:pPr lvl="0"/>
             <a:r>
-              <a:rPr kumimoji="1" lang="ja-JP" altLang="en-US" dirty="0"/>
+              <a:rPr kumimoji="1" lang="ja-JP" altLang="en-US"/>
               <a:t>マスター テキストの書式設定</a:t>
             </a:r>
           </a:p>
@@ -2300,7 +2242,7 @@
           <a:p>
             <a:fld id="{903E6C0A-4C0E-4F87-8AF6-0916F349F469}" type="datetime1">
               <a:rPr kumimoji="1" lang="ja-JP" altLang="en-US" smtClean="0"/>
-              <a:t>2025/7/10</a:t>
+              <a:t>2025/8/5</a:t>
             </a:fld>
             <a:endParaRPr kumimoji="1" lang="ja-JP" altLang="en-US"/>
           </a:p>
@@ -2629,9 +2571,9 @@
           <a:p>
             <a:fld id="{80BC7D58-F5E6-4027-81D2-7B1E8FD25412}" type="datetime1">
               <a:rPr kumimoji="1" lang="ja-JP" altLang="en-US" smtClean="0"/>
-              <a:t>2025/7/10</a:t>
+              <a:t>2025/8/5</a:t>
             </a:fld>
-            <a:endParaRPr kumimoji="1" lang="ja-JP" altLang="en-US" dirty="0"/>
+            <a:endParaRPr kumimoji="1" lang="ja-JP" altLang="en-US"/>
           </a:p>
         </p:txBody>
       </p:sp>
@@ -2656,7 +2598,7 @@
           <a:bodyPr/>
           <a:lstStyle/>
           <a:p>
-            <a:endParaRPr kumimoji="1" lang="ja-JP" altLang="en-US" dirty="0"/>
+            <a:endParaRPr kumimoji="1" lang="ja-JP" altLang="en-US"/>
           </a:p>
         </p:txBody>
       </p:sp>
@@ -2856,7 +2798,7 @@
           <a:p>
             <a:pPr lvl="0"/>
             <a:r>
-              <a:rPr kumimoji="1" lang="ja-JP" altLang="en-US" dirty="0"/>
+              <a:rPr kumimoji="1" lang="ja-JP" altLang="en-US"/>
               <a:t>マスター テキストの書式設定</a:t>
             </a:r>
           </a:p>
@@ -2890,67 +2832,67 @@
           <a:p>
             <a:pPr lvl="0"/>
             <a:r>
-              <a:rPr kumimoji="1" lang="ja-JP" altLang="en-US" dirty="0"/>
+              <a:rPr kumimoji="1" lang="ja-JP" altLang="en-US"/>
               <a:t>マスター テキストの書式設定</a:t>
             </a:r>
           </a:p>
           <a:p>
             <a:pPr lvl="1"/>
             <a:r>
-              <a:rPr kumimoji="1" lang="ja-JP" altLang="en-US" dirty="0"/>
+              <a:rPr kumimoji="1" lang="ja-JP" altLang="en-US"/>
               <a:t>第 </a:t>
             </a:r>
             <a:r>
-              <a:rPr kumimoji="1" lang="en-US" altLang="ja-JP" dirty="0"/>
+              <a:rPr kumimoji="1" lang="en-US" altLang="ja-JP"/>
               <a:t>2 </a:t>
             </a:r>
             <a:r>
-              <a:rPr kumimoji="1" lang="ja-JP" altLang="en-US" dirty="0"/>
+              <a:rPr kumimoji="1" lang="ja-JP" altLang="en-US"/>
               <a:t>レベル</a:t>
             </a:r>
           </a:p>
           <a:p>
             <a:pPr lvl="2"/>
             <a:r>
-              <a:rPr kumimoji="1" lang="ja-JP" altLang="en-US" dirty="0"/>
+              <a:rPr kumimoji="1" lang="ja-JP" altLang="en-US"/>
               <a:t>第 </a:t>
             </a:r>
             <a:r>
-              <a:rPr kumimoji="1" lang="en-US" altLang="ja-JP" dirty="0"/>
+              <a:rPr kumimoji="1" lang="en-US" altLang="ja-JP"/>
               <a:t>3 </a:t>
             </a:r>
             <a:r>
-              <a:rPr kumimoji="1" lang="ja-JP" altLang="en-US" dirty="0"/>
+              <a:rPr kumimoji="1" lang="ja-JP" altLang="en-US"/>
               <a:t>レベル</a:t>
             </a:r>
           </a:p>
           <a:p>
             <a:pPr lvl="3"/>
             <a:r>
-              <a:rPr kumimoji="1" lang="ja-JP" altLang="en-US" dirty="0"/>
+              <a:rPr kumimoji="1" lang="ja-JP" altLang="en-US"/>
               <a:t>第 </a:t>
             </a:r>
             <a:r>
-              <a:rPr kumimoji="1" lang="en-US" altLang="ja-JP" dirty="0"/>
+              <a:rPr kumimoji="1" lang="en-US" altLang="ja-JP"/>
               <a:t>4 </a:t>
             </a:r>
             <a:r>
-              <a:rPr kumimoji="1" lang="ja-JP" altLang="en-US" dirty="0"/>
+              <a:rPr kumimoji="1" lang="ja-JP" altLang="en-US"/>
               <a:t>レベル</a:t>
             </a:r>
           </a:p>
           <a:p>
             <a:pPr lvl="4"/>
             <a:r>
-              <a:rPr kumimoji="1" lang="ja-JP" altLang="en-US" dirty="0"/>
+              <a:rPr kumimoji="1" lang="ja-JP" altLang="en-US"/>
               <a:t>第 </a:t>
             </a:r>
             <a:r>
-              <a:rPr kumimoji="1" lang="en-US" altLang="ja-JP" dirty="0"/>
+              <a:rPr kumimoji="1" lang="en-US" altLang="ja-JP"/>
               <a:t>5 </a:t>
             </a:r>
             <a:r>
-              <a:rPr kumimoji="1" lang="ja-JP" altLang="en-US" dirty="0"/>
+              <a:rPr kumimoji="1" lang="ja-JP" altLang="en-US"/>
               <a:t>レベル</a:t>
             </a:r>
           </a:p>
@@ -3144,7 +3086,7 @@
           <a:p>
             <a:fld id="{5D551EA9-50E9-407B-B870-7A001B3B882E}" type="datetime1">
               <a:rPr kumimoji="1" lang="ja-JP" altLang="en-US" smtClean="0"/>
-              <a:t>2025/7/10</a:t>
+              <a:t>2025/8/5</a:t>
             </a:fld>
             <a:endParaRPr kumimoji="1" lang="ja-JP" altLang="en-US"/>
           </a:p>
@@ -3324,7 +3266,7 @@
           <a:p>
             <a:fld id="{FC2B7404-4301-4837-80CB-563E6B96722B}" type="datetime1">
               <a:rPr kumimoji="1" lang="ja-JP" altLang="en-US" smtClean="0"/>
-              <a:t>2025/7/10</a:t>
+              <a:t>2025/8/5</a:t>
             </a:fld>
             <a:endParaRPr kumimoji="1" lang="ja-JP" altLang="en-US"/>
           </a:p>
@@ -3476,9 +3418,9 @@
           <a:p>
             <a:fld id="{555F440E-AFA7-4092-812C-CE229E5CA6A3}" type="datetime1">
               <a:rPr lang="ja-JP" altLang="en-US" smtClean="0"/>
-              <a:t>2025/7/10</a:t>
+              <a:t>2025/8/5</a:t>
             </a:fld>
-            <a:endParaRPr lang="ja-JP" altLang="en-US" dirty="0"/>
+            <a:endParaRPr lang="ja-JP" altLang="en-US"/>
           </a:p>
         </p:txBody>
       </p:sp>
@@ -3503,7 +3445,7 @@
           <a:bodyPr/>
           <a:lstStyle/>
           <a:p>
-            <a:endParaRPr kumimoji="1" lang="ja-JP" altLang="en-US" dirty="0"/>
+            <a:endParaRPr kumimoji="1" lang="ja-JP" altLang="en-US"/>
           </a:p>
         </p:txBody>
       </p:sp>
@@ -3533,7 +3475,7 @@
               <a:pPr/>
               <a:t>‹#›</a:t>
             </a:fld>
-            <a:endParaRPr lang="ja-JP" altLang="en-US" dirty="0"/>
+            <a:endParaRPr lang="ja-JP" altLang="en-US"/>
           </a:p>
         </p:txBody>
       </p:sp>
@@ -3850,7 +3792,7 @@
           <a:p>
             <a:fld id="{B4624A6C-07AB-4816-B957-8883C790557E}" type="datetime1">
               <a:rPr kumimoji="1" lang="ja-JP" altLang="en-US" smtClean="0"/>
-              <a:t>2025/7/10</a:t>
+              <a:t>2025/8/5</a:t>
             </a:fld>
             <a:endParaRPr kumimoji="1" lang="ja-JP" altLang="en-US"/>
           </a:p>
@@ -4068,7 +4010,7 @@
           <a:lstStyle/>
           <a:p>
             <a:r>
-              <a:rPr kumimoji="1" lang="ja-JP" altLang="en-US" dirty="0"/>
+              <a:rPr kumimoji="1" lang="ja-JP" altLang="en-US"/>
               <a:t>マスター タイトルの書式設定</a:t>
             </a:r>
           </a:p>
@@ -4107,67 +4049,67 @@
           <a:p>
             <a:pPr lvl="0"/>
             <a:r>
-              <a:rPr kumimoji="1" lang="ja-JP" altLang="en-US" dirty="0"/>
+              <a:rPr kumimoji="1" lang="ja-JP" altLang="en-US"/>
               <a:t>マスター テキストの書式設定</a:t>
             </a:r>
           </a:p>
           <a:p>
             <a:pPr lvl="1"/>
             <a:r>
-              <a:rPr kumimoji="1" lang="ja-JP" altLang="en-US" dirty="0"/>
+              <a:rPr kumimoji="1" lang="ja-JP" altLang="en-US"/>
               <a:t>第 </a:t>
             </a:r>
             <a:r>
-              <a:rPr kumimoji="1" lang="en-US" altLang="ja-JP" dirty="0"/>
+              <a:rPr kumimoji="1" lang="en-US" altLang="ja-JP"/>
               <a:t>2 </a:t>
             </a:r>
             <a:r>
-              <a:rPr kumimoji="1" lang="ja-JP" altLang="en-US" dirty="0"/>
+              <a:rPr kumimoji="1" lang="ja-JP" altLang="en-US"/>
               <a:t>レベル</a:t>
             </a:r>
           </a:p>
           <a:p>
             <a:pPr lvl="2"/>
             <a:r>
-              <a:rPr kumimoji="1" lang="ja-JP" altLang="en-US" dirty="0"/>
+              <a:rPr kumimoji="1" lang="ja-JP" altLang="en-US"/>
               <a:t>第 </a:t>
             </a:r>
             <a:r>
-              <a:rPr kumimoji="1" lang="en-US" altLang="ja-JP" dirty="0"/>
+              <a:rPr kumimoji="1" lang="en-US" altLang="ja-JP"/>
               <a:t>3 </a:t>
             </a:r>
             <a:r>
-              <a:rPr kumimoji="1" lang="ja-JP" altLang="en-US" dirty="0"/>
+              <a:rPr kumimoji="1" lang="ja-JP" altLang="en-US"/>
               <a:t>レベル</a:t>
             </a:r>
           </a:p>
           <a:p>
             <a:pPr lvl="3"/>
             <a:r>
-              <a:rPr kumimoji="1" lang="ja-JP" altLang="en-US" dirty="0"/>
+              <a:rPr kumimoji="1" lang="ja-JP" altLang="en-US"/>
               <a:t>第 </a:t>
             </a:r>
             <a:r>
-              <a:rPr kumimoji="1" lang="en-US" altLang="ja-JP" dirty="0"/>
+              <a:rPr kumimoji="1" lang="en-US" altLang="ja-JP"/>
               <a:t>4 </a:t>
             </a:r>
             <a:r>
-              <a:rPr kumimoji="1" lang="ja-JP" altLang="en-US" dirty="0"/>
+              <a:rPr kumimoji="1" lang="ja-JP" altLang="en-US"/>
               <a:t>レベル</a:t>
             </a:r>
           </a:p>
           <a:p>
             <a:pPr lvl="4"/>
             <a:r>
-              <a:rPr kumimoji="1" lang="ja-JP" altLang="en-US" dirty="0"/>
+              <a:rPr kumimoji="1" lang="ja-JP" altLang="en-US"/>
               <a:t>第 </a:t>
             </a:r>
             <a:r>
-              <a:rPr kumimoji="1" lang="en-US" altLang="ja-JP" dirty="0"/>
+              <a:rPr kumimoji="1" lang="en-US" altLang="ja-JP"/>
               <a:t>5 </a:t>
             </a:r>
             <a:r>
-              <a:rPr kumimoji="1" lang="ja-JP" altLang="en-US" dirty="0"/>
+              <a:rPr kumimoji="1" lang="ja-JP" altLang="en-US"/>
               <a:t>レベル</a:t>
             </a:r>
           </a:p>
@@ -4212,9 +4154,9 @@
           <a:p>
             <a:fld id="{555F440E-AFA7-4092-812C-CE229E5CA6A3}" type="datetime1">
               <a:rPr lang="ja-JP" altLang="en-US" smtClean="0"/>
-              <a:t>2025/7/10</a:t>
+              <a:t>2025/8/5</a:t>
             </a:fld>
-            <a:endParaRPr lang="ja-JP" altLang="en-US" dirty="0"/>
+            <a:endParaRPr lang="ja-JP" altLang="en-US"/>
           </a:p>
         </p:txBody>
       </p:sp>
@@ -4257,7 +4199,7 @@
             </a:lvl1pPr>
           </a:lstStyle>
           <a:p>
-            <a:endParaRPr kumimoji="1" lang="ja-JP" altLang="en-US" dirty="0"/>
+            <a:endParaRPr kumimoji="1" lang="ja-JP" altLang="en-US"/>
           </a:p>
         </p:txBody>
       </p:sp>
@@ -4303,7 +4245,7 @@
               <a:pPr/>
               <a:t>‹#›</a:t>
             </a:fld>
-            <a:endParaRPr lang="ja-JP" altLang="en-US" dirty="0"/>
+            <a:endParaRPr lang="ja-JP" altLang="en-US"/>
           </a:p>
         </p:txBody>
       </p:sp>
@@ -4651,7 +4593,7 @@
           <a:bodyPr/>
           <a:lstStyle/>
           <a:p>
-            <a:endParaRPr kumimoji="1" lang="ja-JP" altLang="en-US" dirty="0"/>
+            <a:endParaRPr kumimoji="1" lang="ja-JP" altLang="en-US"/>
           </a:p>
         </p:txBody>
       </p:sp>
@@ -4676,7 +4618,7 @@
           <a:bodyPr/>
           <a:lstStyle/>
           <a:p>
-            <a:endParaRPr kumimoji="1" lang="ja-JP" altLang="en-US" dirty="0"/>
+            <a:endParaRPr kumimoji="1" lang="ja-JP" altLang="en-US"/>
           </a:p>
         </p:txBody>
       </p:sp>
@@ -4703,9 +4645,9 @@
           <a:p>
             <a:fld id="{555F440E-AFA7-4092-812C-CE229E5CA6A3}" type="datetime1">
               <a:rPr lang="ja-JP" altLang="en-US" smtClean="0"/>
-              <a:t>2025/7/10</a:t>
+              <a:t>2025/8/5</a:t>
             </a:fld>
-            <a:endParaRPr lang="ja-JP" altLang="en-US" dirty="0"/>
+            <a:endParaRPr lang="ja-JP" altLang="en-US"/>
           </a:p>
         </p:txBody>
       </p:sp>
@@ -4730,7 +4672,7 @@
           <a:bodyPr/>
           <a:lstStyle/>
           <a:p>
-            <a:endParaRPr kumimoji="1" lang="ja-JP" altLang="en-US" dirty="0"/>
+            <a:endParaRPr kumimoji="1" lang="ja-JP" altLang="en-US"/>
           </a:p>
         </p:txBody>
       </p:sp>
@@ -4760,7 +4702,7 @@
               <a:pPr/>
               <a:t>1</a:t>
             </a:fld>
-            <a:endParaRPr lang="ja-JP" altLang="en-US" dirty="0"/>
+            <a:endParaRPr lang="ja-JP" altLang="en-US"/>
           </a:p>
         </p:txBody>
       </p:sp>
@@ -4768,6 +4710,448 @@
     <p:extLst>
       <p:ext uri="{BB962C8B-B14F-4D97-AF65-F5344CB8AC3E}">
         <p14:creationId xmlns:p14="http://schemas.microsoft.com/office/powerpoint/2010/main" val="2640924054"/>
+      </p:ext>
+    </p:extLst>
+  </p:cSld>
+  <p:clrMapOvr>
+    <a:masterClrMapping/>
+  </p:clrMapOvr>
+</p:sld>
+</file>
+
+<file path=ppt/slides/slide2.xml><?xml version="1.0" encoding="utf-8"?>
+<p:sld xmlns:a="http://schemas.openxmlformats.org/drawingml/2006/main" xmlns:r="http://schemas.openxmlformats.org/officeDocument/2006/relationships" xmlns:p="http://schemas.openxmlformats.org/presentationml/2006/main">
+  <p:cSld>
+    <p:spTree>
+      <p:nvGrpSpPr>
+        <p:cNvPr id="1" name=""/>
+        <p:cNvGrpSpPr/>
+        <p:nvPr/>
+      </p:nvGrpSpPr>
+      <p:grpSpPr>
+        <a:xfrm>
+          <a:off x="0" y="0"/>
+          <a:ext cx="0" cy="0"/>
+          <a:chOff x="0" y="0"/>
+          <a:chExt cx="0" cy="0"/>
+        </a:xfrm>
+      </p:grpSpPr>
+      <p:sp>
+        <p:nvSpPr>
+          <p:cNvPr id="2" name="タイトル 1">
+            <a:extLst>
+              <a:ext uri="{FF2B5EF4-FFF2-40B4-BE49-F238E27FC236}">
+                <a16:creationId xmlns:a16="http://schemas.microsoft.com/office/drawing/2014/main" id="{6D35399E-884B-969B-18FF-317BBED31BFB}"/>
+              </a:ext>
+            </a:extLst>
+          </p:cNvPr>
+          <p:cNvSpPr>
+            <a:spLocks noGrp="1"/>
+          </p:cNvSpPr>
+          <p:nvPr>
+            <p:ph type="title"/>
+          </p:nvPr>
+        </p:nvSpPr>
+        <p:spPr/>
+        <p:txBody>
+          <a:bodyPr/>
+          <a:lstStyle/>
+          <a:p>
+            <a:endParaRPr kumimoji="1" lang="ja-JP" altLang="en-US"/>
+          </a:p>
+        </p:txBody>
+      </p:sp>
+      <p:sp>
+        <p:nvSpPr>
+          <p:cNvPr id="3" name="コンテンツ プレースホルダー 2">
+            <a:extLst>
+              <a:ext uri="{FF2B5EF4-FFF2-40B4-BE49-F238E27FC236}">
+                <a16:creationId xmlns:a16="http://schemas.microsoft.com/office/drawing/2014/main" id="{14DC5319-8618-7455-7B02-A7334D66E63F}"/>
+              </a:ext>
+            </a:extLst>
+          </p:cNvPr>
+          <p:cNvSpPr>
+            <a:spLocks noGrp="1"/>
+          </p:cNvSpPr>
+          <p:nvPr>
+            <p:ph idx="1"/>
+          </p:nvPr>
+        </p:nvSpPr>
+        <p:spPr>
+          <a:xfrm>
+            <a:off x="5348252" y="1362079"/>
+            <a:ext cx="6005548" cy="3479636"/>
+          </a:xfrm>
+        </p:spPr>
+        <p:txBody>
+          <a:bodyPr/>
+          <a:lstStyle/>
+          <a:p>
+            <a:pPr marL="0" indent="0">
+              <a:buNone/>
+            </a:pPr>
+            <a:r>
+              <a:rPr kumimoji="1" lang="en-US" altLang="ja-JP" u="sng"/>
+              <a:t>opacity</a:t>
+            </a:r>
+          </a:p>
+          <a:p>
+            <a:pPr marL="0" indent="0">
+              <a:buNone/>
+            </a:pPr>
+            <a:r>
+              <a:rPr lang="en-US" altLang="ja-JP" sz="2000"/>
+              <a:t>CSS</a:t>
+            </a:r>
+            <a:r>
+              <a:rPr lang="ja-JP" altLang="en-US" sz="2000"/>
+              <a:t>において要素の「透明度」を指定する</a:t>
+            </a:r>
+            <a:endParaRPr lang="en-US" altLang="ja-JP" sz="2000"/>
+          </a:p>
+          <a:p>
+            <a:pPr marL="0" indent="0">
+              <a:buNone/>
+            </a:pPr>
+            <a:r>
+              <a:rPr lang="ja-JP" altLang="en-US" sz="2000"/>
+              <a:t>０を指定すると透明、１を指定すると不透明</a:t>
+            </a:r>
+            <a:endParaRPr kumimoji="1" lang="en-US" altLang="ja-JP" sz="2000"/>
+          </a:p>
+        </p:txBody>
+      </p:sp>
+      <p:sp>
+        <p:nvSpPr>
+          <p:cNvPr id="4" name="日付プレースホルダー 3">
+            <a:extLst>
+              <a:ext uri="{FF2B5EF4-FFF2-40B4-BE49-F238E27FC236}">
+                <a16:creationId xmlns:a16="http://schemas.microsoft.com/office/drawing/2014/main" id="{B4A955C9-4CFF-9E76-C7A1-3AF60C95E934}"/>
+              </a:ext>
+            </a:extLst>
+          </p:cNvPr>
+          <p:cNvSpPr>
+            <a:spLocks noGrp="1"/>
+          </p:cNvSpPr>
+          <p:nvPr>
+            <p:ph type="dt" sz="half" idx="10"/>
+          </p:nvPr>
+        </p:nvSpPr>
+        <p:spPr/>
+        <p:txBody>
+          <a:bodyPr/>
+          <a:lstStyle/>
+          <a:p>
+            <a:fld id="{F86C577F-7272-4803-AFEB-39D9358AB397}" type="datetime1">
+              <a:rPr kumimoji="1" lang="ja-JP" altLang="en-US" smtClean="0"/>
+              <a:t>2025/8/5</a:t>
+            </a:fld>
+            <a:endParaRPr kumimoji="1" lang="ja-JP" altLang="en-US"/>
+          </a:p>
+        </p:txBody>
+      </p:sp>
+      <p:sp>
+        <p:nvSpPr>
+          <p:cNvPr id="5" name="フッター プレースホルダー 4">
+            <a:extLst>
+              <a:ext uri="{FF2B5EF4-FFF2-40B4-BE49-F238E27FC236}">
+                <a16:creationId xmlns:a16="http://schemas.microsoft.com/office/drawing/2014/main" id="{D18BAF53-3C1D-C0A2-DC51-CCCE8F4D328B}"/>
+              </a:ext>
+            </a:extLst>
+          </p:cNvPr>
+          <p:cNvSpPr>
+            <a:spLocks noGrp="1"/>
+          </p:cNvSpPr>
+          <p:nvPr>
+            <p:ph type="ftr" sz="quarter" idx="11"/>
+          </p:nvPr>
+        </p:nvSpPr>
+        <p:spPr/>
+        <p:txBody>
+          <a:bodyPr/>
+          <a:lstStyle/>
+          <a:p>
+            <a:endParaRPr kumimoji="1" lang="ja-JP" altLang="en-US"/>
+          </a:p>
+        </p:txBody>
+      </p:sp>
+      <p:sp>
+        <p:nvSpPr>
+          <p:cNvPr id="6" name="スライド番号プレースホルダー 5">
+            <a:extLst>
+              <a:ext uri="{FF2B5EF4-FFF2-40B4-BE49-F238E27FC236}">
+                <a16:creationId xmlns:a16="http://schemas.microsoft.com/office/drawing/2014/main" id="{56623AED-36C2-81FF-463F-5219D03A8418}"/>
+              </a:ext>
+            </a:extLst>
+          </p:cNvPr>
+          <p:cNvSpPr>
+            <a:spLocks noGrp="1"/>
+          </p:cNvSpPr>
+          <p:nvPr>
+            <p:ph type="sldNum" sz="quarter" idx="12"/>
+          </p:nvPr>
+        </p:nvSpPr>
+        <p:spPr/>
+        <p:txBody>
+          <a:bodyPr/>
+          <a:lstStyle/>
+          <a:p>
+            <a:fld id="{688D0C5C-9FAA-41D2-8306-CEE7FBCD5623}" type="slidenum">
+              <a:rPr kumimoji="1" lang="ja-JP" altLang="en-US" smtClean="0"/>
+              <a:t>2</a:t>
+            </a:fld>
+            <a:endParaRPr kumimoji="1" lang="ja-JP" altLang="en-US"/>
+          </a:p>
+        </p:txBody>
+      </p:sp>
+      <p:sp>
+        <p:nvSpPr>
+          <p:cNvPr id="7" name="四角形: 角を丸くする 6">
+            <a:extLst>
+              <a:ext uri="{FF2B5EF4-FFF2-40B4-BE49-F238E27FC236}">
+                <a16:creationId xmlns:a16="http://schemas.microsoft.com/office/drawing/2014/main" id="{EB3564C8-B5C3-6BBD-FD5F-FF5D9AB13AD4}"/>
+              </a:ext>
+            </a:extLst>
+          </p:cNvPr>
+          <p:cNvSpPr/>
+          <p:nvPr/>
+        </p:nvSpPr>
+        <p:spPr>
+          <a:xfrm>
+            <a:off x="838199" y="1362079"/>
+            <a:ext cx="4510053" cy="4814884"/>
+          </a:xfrm>
+          <a:prstGeom prst="roundRect">
+            <a:avLst>
+              <a:gd name="adj" fmla="val 4656"/>
+            </a:avLst>
+          </a:prstGeom>
+          <a:solidFill>
+            <a:schemeClr val="bg1">
+              <a:lumMod val="95000"/>
+            </a:schemeClr>
+          </a:solidFill>
+          <a:ln>
+            <a:noFill/>
+          </a:ln>
+        </p:spPr>
+        <p:style>
+          <a:lnRef idx="2">
+            <a:schemeClr val="accent1">
+              <a:shade val="15000"/>
+            </a:schemeClr>
+          </a:lnRef>
+          <a:fillRef idx="1">
+            <a:schemeClr val="accent1"/>
+          </a:fillRef>
+          <a:effectRef idx="0">
+            <a:schemeClr val="accent1"/>
+          </a:effectRef>
+          <a:fontRef idx="minor">
+            <a:schemeClr val="lt1"/>
+          </a:fontRef>
+        </p:style>
+        <p:txBody>
+          <a:bodyPr lIns="91440" tIns="45720" rIns="91440" bIns="45720" rtlCol="0" anchor="ctr"/>
+          <a:lstStyle/>
+          <a:p>
+            <a:r>
+              <a:rPr lang="en-US" altLang="ja-JP">
+                <a:solidFill>
+                  <a:schemeClr val="tx1"/>
+                </a:solidFill>
+                <a:latin typeface="JetBrains Mono"/>
+                <a:ea typeface="JetBrains Mono"/>
+                <a:cs typeface="JetBrains Mono"/>
+              </a:rPr>
+              <a:t>@keyframes fade1 {</a:t>
+            </a:r>
+          </a:p>
+          <a:p>
+            <a:r>
+              <a:rPr lang="en-US" altLang="ja-JP">
+                <a:solidFill>
+                  <a:schemeClr val="tx1"/>
+                </a:solidFill>
+                <a:latin typeface="JetBrains Mono"/>
+                <a:ea typeface="JetBrains Mono"/>
+                <a:cs typeface="JetBrains Mono"/>
+              </a:rPr>
+              <a:t>  0%     { opacity: 0; }</a:t>
+            </a:r>
+          </a:p>
+          <a:p>
+            <a:r>
+              <a:rPr lang="en-US" altLang="ja-JP">
+                <a:solidFill>
+                  <a:schemeClr val="tx1"/>
+                </a:solidFill>
+                <a:latin typeface="JetBrains Mono"/>
+                <a:ea typeface="JetBrains Mono"/>
+                <a:cs typeface="JetBrains Mono"/>
+              </a:rPr>
+              <a:t>  1%     { opacity: 1; }   </a:t>
+            </a:r>
+          </a:p>
+          <a:p>
+            <a:r>
+              <a:rPr lang="en-US" altLang="ja-JP">
+                <a:solidFill>
+                  <a:schemeClr val="tx1"/>
+                </a:solidFill>
+                <a:latin typeface="JetBrains Mono"/>
+                <a:ea typeface="JetBrains Mono"/>
+                <a:cs typeface="JetBrains Mono"/>
+              </a:rPr>
+              <a:t>  20%    { opacity: 1; }   </a:t>
+            </a:r>
+          </a:p>
+          <a:p>
+            <a:r>
+              <a:rPr lang="en-US" altLang="ja-JP">
+                <a:solidFill>
+                  <a:schemeClr val="tx1"/>
+                </a:solidFill>
+                <a:latin typeface="JetBrains Mono"/>
+                <a:ea typeface="JetBrains Mono"/>
+                <a:cs typeface="JetBrains Mono"/>
+              </a:rPr>
+              <a:t>  25%    { opacity: 0; }   </a:t>
+            </a:r>
+          </a:p>
+          <a:p>
+            <a:r>
+              <a:rPr lang="en-US" altLang="ja-JP">
+                <a:solidFill>
+                  <a:schemeClr val="tx1"/>
+                </a:solidFill>
+                <a:latin typeface="JetBrains Mono"/>
+                <a:ea typeface="JetBrains Mono"/>
+                <a:cs typeface="JetBrains Mono"/>
+              </a:rPr>
+              <a:t>  100%   { opacity: 0; }</a:t>
+            </a:r>
+          </a:p>
+          <a:p>
+            <a:r>
+              <a:rPr lang="en-US" altLang="ja-JP">
+                <a:solidFill>
+                  <a:schemeClr val="tx1"/>
+                </a:solidFill>
+                <a:latin typeface="JetBrains Mono"/>
+                <a:ea typeface="JetBrains Mono"/>
+                <a:cs typeface="JetBrains Mono"/>
+              </a:rPr>
+              <a:t>}</a:t>
+            </a:r>
+          </a:p>
+          <a:p>
+            <a:endParaRPr lang="en-US" altLang="ja-JP">
+              <a:solidFill>
+                <a:schemeClr val="tx1"/>
+              </a:solidFill>
+              <a:latin typeface="JetBrains Mono"/>
+              <a:ea typeface="JetBrains Mono"/>
+              <a:cs typeface="JetBrains Mono"/>
+            </a:endParaRPr>
+          </a:p>
+          <a:p>
+            <a:r>
+              <a:rPr lang="en-US" altLang="ja-JP">
+                <a:solidFill>
+                  <a:schemeClr val="tx1"/>
+                </a:solidFill>
+                <a:latin typeface="JetBrains Mono"/>
+                <a:ea typeface="JetBrains Mono"/>
+                <a:cs typeface="JetBrains Mono"/>
+              </a:rPr>
+              <a:t>@keyframes fade2 {</a:t>
+            </a:r>
+          </a:p>
+          <a:p>
+            <a:r>
+              <a:rPr lang="en-US" altLang="ja-JP">
+                <a:solidFill>
+                  <a:schemeClr val="tx1"/>
+                </a:solidFill>
+                <a:latin typeface="JetBrains Mono"/>
+                <a:ea typeface="JetBrains Mono"/>
+                <a:cs typeface="JetBrains Mono"/>
+              </a:rPr>
+              <a:t>  0%, 19%  { opacity: 0; } </a:t>
+            </a:r>
+          </a:p>
+          <a:p>
+            <a:r>
+              <a:rPr lang="en-US" altLang="ja-JP">
+                <a:solidFill>
+                  <a:schemeClr val="tx1"/>
+                </a:solidFill>
+                <a:latin typeface="JetBrains Mono"/>
+                <a:ea typeface="JetBrains Mono"/>
+                <a:cs typeface="JetBrains Mono"/>
+              </a:rPr>
+              <a:t>  22%      { opacity: 1; } </a:t>
+            </a:r>
+          </a:p>
+          <a:p>
+            <a:r>
+              <a:rPr lang="en-US" altLang="ja-JP">
+                <a:solidFill>
+                  <a:schemeClr val="tx1"/>
+                </a:solidFill>
+                <a:latin typeface="JetBrains Mono"/>
+                <a:ea typeface="JetBrains Mono"/>
+                <a:cs typeface="JetBrains Mono"/>
+              </a:rPr>
+              <a:t>  40%      { opacity: 1; } </a:t>
+            </a:r>
+          </a:p>
+          <a:p>
+            <a:r>
+              <a:rPr lang="en-US" altLang="ja-JP">
+                <a:solidFill>
+                  <a:schemeClr val="tx1"/>
+                </a:solidFill>
+                <a:latin typeface="JetBrains Mono"/>
+                <a:ea typeface="JetBrains Mono"/>
+                <a:cs typeface="JetBrains Mono"/>
+              </a:rPr>
+              <a:t>  45%      { opacity: 0; } </a:t>
+            </a:r>
+          </a:p>
+          <a:p>
+            <a:r>
+              <a:rPr lang="en-US" altLang="ja-JP">
+                <a:solidFill>
+                  <a:schemeClr val="tx1"/>
+                </a:solidFill>
+                <a:latin typeface="JetBrains Mono"/>
+                <a:ea typeface="JetBrains Mono"/>
+                <a:cs typeface="JetBrains Mono"/>
+              </a:rPr>
+              <a:t>  100%     { opacity: 0; }</a:t>
+            </a:r>
+          </a:p>
+          <a:p>
+            <a:r>
+              <a:rPr lang="en-US" altLang="ja-JP">
+                <a:solidFill>
+                  <a:schemeClr val="tx1"/>
+                </a:solidFill>
+                <a:latin typeface="JetBrains Mono"/>
+                <a:ea typeface="JetBrains Mono"/>
+                <a:cs typeface="JetBrains Mono"/>
+              </a:rPr>
+              <a:t>}</a:t>
+            </a:r>
+          </a:p>
+        </p:txBody>
+      </p:sp>
+    </p:spTree>
+    <p:extLst>
+      <p:ext uri="{BB962C8B-B14F-4D97-AF65-F5344CB8AC3E}">
+        <p14:creationId xmlns:p14="http://schemas.microsoft.com/office/powerpoint/2010/main" val="2030250481"/>
       </p:ext>
     </p:extLst>
   </p:cSld>
